--- a/Presentations/Meetings/2020-03-30/Meeting2020-03-30.pptx
+++ b/Presentations/Meetings/2020-03-30/Meeting2020-03-30.pptx
@@ -4070,7 +4070,9 @@
           </a:xfrm>
         </p:spPr>
         <p:txBody>
-          <a:bodyPr/>
+          <a:bodyPr>
+            <a:normAutofit lnSpcReduction="10000"/>
+          </a:bodyPr>
           <a:lstStyle/>
           <a:p>
             <a:r>
@@ -4141,6 +4143,26 @@
               <a:t>MarcMentat</a:t>
             </a:r>
             <a:endParaRPr lang="en-US" dirty="0"/>
+          </a:p>
+          <a:p>
+            <a:r>
+              <a:rPr lang="en-US" dirty="0"/>
+              <a:t>Issues</a:t>
+            </a:r>
+          </a:p>
+          <a:p>
+            <a:pPr lvl="1"/>
+            <a:r>
+              <a:rPr lang="en-US" dirty="0"/>
+              <a:t>Wait for .t16 file generation</a:t>
+            </a:r>
+          </a:p>
+          <a:p>
+            <a:pPr lvl="1"/>
+            <a:r>
+              <a:rPr lang="en-US" dirty="0"/>
+              <a:t>.t16 opened too soon – all zeros</a:t>
+            </a:r>
           </a:p>
         </p:txBody>
       </p:sp>
